--- a/技术路线图/研究方案.pptx
+++ b/技术路线图/研究方案.pptx
@@ -2392,7 +2392,7 @@
         <a:p>
           <a:r>
             <a:rPr lang="zh-CN" altLang="en-US" sz="2400" dirty="0"/>
-            <a:t>比较胆囊炎患者与健康志愿者肠道菌群和血清胆汁酸谱差异，寻找胆囊炎特征性和胆汁酸谱</a:t>
+            <a:t>比较胆囊炎患者与健康志愿者肠道菌群和血清胆汁酸谱差异，寻找胆囊炎特征性肠道菌群和胆汁酸谱</a:t>
           </a:r>
         </a:p>
       </dgm:t>
@@ -3710,7 +3710,7 @@
           </a:pPr>
           <a:r>
             <a:rPr lang="zh-CN" altLang="en-US" sz="2400" kern="1200" dirty="0"/>
-            <a:t>比较胆囊炎患者与健康志愿者肠道菌群和血清胆汁酸谱差异，寻找胆囊炎特征性和胆汁酸谱</a:t>
+            <a:t>比较胆囊炎患者与健康志愿者肠道菌群和血清胆汁酸谱差异，寻找胆囊炎特征性肠道菌群和胆汁酸谱</a:t>
           </a:r>
         </a:p>
       </dsp:txBody>
@@ -12618,7 +12618,7 @@
             <p:ph idx="1"/>
             <p:extLst>
               <p:ext uri="{D42A27DB-BD31-4B8C-83A1-F6EECF244321}">
-                <p14:modId xmlns:p14="http://schemas.microsoft.com/office/powerpoint/2010/main" val="1541825505"/>
+                <p14:modId xmlns:p14="http://schemas.microsoft.com/office/powerpoint/2010/main" val="1694736720"/>
               </p:ext>
             </p:extLst>
           </p:nvPr>
